--- a/src/main/resources/MAE Java'ya bakış ve Mühendislik Vizyonu.pptx
+++ b/src/main/resources/MAE Java'ya bakış ve Mühendislik Vizyonu.pptx
@@ -217,7 +217,7 @@
           <a:p>
             <a:fld id="{0805410E-207C-4D2D-BBF0-CFD93BFF5F11}" type="datetimeFigureOut">
               <a:rPr lang="tr-TR" smtClean="0"/>
-              <a:t>31.05.2022</a:t>
+              <a:t>1.06.2022</a:t>
             </a:fld>
             <a:endParaRPr lang="tr-TR"/>
           </a:p>
@@ -1131,7 +1131,7 @@
           <a:p>
             <a:fld id="{B9114B60-D3A9-400F-8F56-89102BF2BA28}" type="datetimeFigureOut">
               <a:rPr lang="tr-TR" smtClean="0"/>
-              <a:t>31.05.2022</a:t>
+              <a:t>1.06.2022</a:t>
             </a:fld>
             <a:endParaRPr lang="tr-TR"/>
           </a:p>
@@ -2251,7 +2251,7 @@
           <a:p>
             <a:fld id="{B9114B60-D3A9-400F-8F56-89102BF2BA28}" type="datetimeFigureOut">
               <a:rPr lang="tr-TR" smtClean="0"/>
-              <a:t>31.05.2022</a:t>
+              <a:t>1.06.2022</a:t>
             </a:fld>
             <a:endParaRPr lang="tr-TR"/>
           </a:p>
@@ -3262,7 +3262,7 @@
           <a:p>
             <a:fld id="{B9114B60-D3A9-400F-8F56-89102BF2BA28}" type="datetimeFigureOut">
               <a:rPr lang="tr-TR" smtClean="0"/>
-              <a:t>31.05.2022</a:t>
+              <a:t>1.06.2022</a:t>
             </a:fld>
             <a:endParaRPr lang="tr-TR"/>
           </a:p>
@@ -4432,7 +4432,7 @@
           <a:p>
             <a:fld id="{B9114B60-D3A9-400F-8F56-89102BF2BA28}" type="datetimeFigureOut">
               <a:rPr lang="tr-TR" smtClean="0"/>
-              <a:t>31.05.2022</a:t>
+              <a:t>1.06.2022</a:t>
             </a:fld>
             <a:endParaRPr lang="tr-TR"/>
           </a:p>
@@ -5493,7 +5493,7 @@
           <a:p>
             <a:fld id="{B9114B60-D3A9-400F-8F56-89102BF2BA28}" type="datetimeFigureOut">
               <a:rPr lang="tr-TR" smtClean="0"/>
-              <a:t>31.05.2022</a:t>
+              <a:t>1.06.2022</a:t>
             </a:fld>
             <a:endParaRPr lang="tr-TR"/>
           </a:p>
@@ -6139,7 +6139,7 @@
           <a:p>
             <a:fld id="{B9114B60-D3A9-400F-8F56-89102BF2BA28}" type="datetimeFigureOut">
               <a:rPr lang="tr-TR" smtClean="0"/>
-              <a:t>31.05.2022</a:t>
+              <a:t>1.06.2022</a:t>
             </a:fld>
             <a:endParaRPr lang="tr-TR"/>
           </a:p>
@@ -6986,7 +6986,7 @@
           <a:p>
             <a:fld id="{B9114B60-D3A9-400F-8F56-89102BF2BA28}" type="datetimeFigureOut">
               <a:rPr lang="tr-TR" smtClean="0"/>
-              <a:t>31.05.2022</a:t>
+              <a:t>1.06.2022</a:t>
             </a:fld>
             <a:endParaRPr lang="tr-TR"/>
           </a:p>
@@ -7161,7 +7161,7 @@
           <a:p>
             <a:fld id="{B9114B60-D3A9-400F-8F56-89102BF2BA28}" type="datetimeFigureOut">
               <a:rPr lang="tr-TR" smtClean="0"/>
-              <a:t>31.05.2022</a:t>
+              <a:t>1.06.2022</a:t>
             </a:fld>
             <a:endParaRPr lang="tr-TR"/>
           </a:p>
@@ -8159,7 +8159,7 @@
           <a:p>
             <a:fld id="{B9114B60-D3A9-400F-8F56-89102BF2BA28}" type="datetimeFigureOut">
               <a:rPr lang="tr-TR" smtClean="0"/>
-              <a:t>31.05.2022</a:t>
+              <a:t>1.06.2022</a:t>
             </a:fld>
             <a:endParaRPr lang="tr-TR"/>
           </a:p>
@@ -8365,7 +8365,7 @@
           <a:p>
             <a:fld id="{B9114B60-D3A9-400F-8F56-89102BF2BA28}" type="datetimeFigureOut">
               <a:rPr lang="tr-TR" smtClean="0"/>
-              <a:t>31.05.2022</a:t>
+              <a:t>1.06.2022</a:t>
             </a:fld>
             <a:endParaRPr lang="tr-TR"/>
           </a:p>
@@ -9427,7 +9427,7 @@
           <a:p>
             <a:fld id="{B9114B60-D3A9-400F-8F56-89102BF2BA28}" type="datetimeFigureOut">
               <a:rPr lang="tr-TR" smtClean="0"/>
-              <a:t>31.05.2022</a:t>
+              <a:t>1.06.2022</a:t>
             </a:fld>
             <a:endParaRPr lang="tr-TR"/>
           </a:p>
@@ -9699,7 +9699,7 @@
           <a:p>
             <a:fld id="{B9114B60-D3A9-400F-8F56-89102BF2BA28}" type="datetimeFigureOut">
               <a:rPr lang="tr-TR" smtClean="0"/>
-              <a:t>31.05.2022</a:t>
+              <a:t>1.06.2022</a:t>
             </a:fld>
             <a:endParaRPr lang="tr-TR"/>
           </a:p>
@@ -10081,7 +10081,7 @@
           <a:p>
             <a:fld id="{B9114B60-D3A9-400F-8F56-89102BF2BA28}" type="datetimeFigureOut">
               <a:rPr lang="tr-TR" smtClean="0"/>
-              <a:t>31.05.2022</a:t>
+              <a:t>1.06.2022</a:t>
             </a:fld>
             <a:endParaRPr lang="tr-TR"/>
           </a:p>
@@ -10199,7 +10199,7 @@
           <a:p>
             <a:fld id="{B9114B60-D3A9-400F-8F56-89102BF2BA28}" type="datetimeFigureOut">
               <a:rPr lang="tr-TR" smtClean="0"/>
-              <a:t>31.05.2022</a:t>
+              <a:t>1.06.2022</a:t>
             </a:fld>
             <a:endParaRPr lang="tr-TR"/>
           </a:p>
@@ -10294,7 +10294,7 @@
           <a:p>
             <a:fld id="{B9114B60-D3A9-400F-8F56-89102BF2BA28}" type="datetimeFigureOut">
               <a:rPr lang="tr-TR" smtClean="0"/>
-              <a:t>31.05.2022</a:t>
+              <a:t>1.06.2022</a:t>
             </a:fld>
             <a:endParaRPr lang="tr-TR"/>
           </a:p>
@@ -11403,7 +11403,7 @@
           <a:p>
             <a:fld id="{B9114B60-D3A9-400F-8F56-89102BF2BA28}" type="datetimeFigureOut">
               <a:rPr lang="tr-TR" smtClean="0"/>
-              <a:t>31.05.2022</a:t>
+              <a:t>1.06.2022</a:t>
             </a:fld>
             <a:endParaRPr lang="tr-TR"/>
           </a:p>
@@ -12536,7 +12536,7 @@
           <a:p>
             <a:fld id="{B9114B60-D3A9-400F-8F56-89102BF2BA28}" type="datetimeFigureOut">
               <a:rPr lang="tr-TR" smtClean="0"/>
-              <a:t>31.05.2022</a:t>
+              <a:t>1.06.2022</a:t>
             </a:fld>
             <a:endParaRPr lang="tr-TR"/>
           </a:p>
@@ -13564,7 +13564,7 @@
           <a:p>
             <a:fld id="{B9114B60-D3A9-400F-8F56-89102BF2BA28}" type="datetimeFigureOut">
               <a:rPr lang="tr-TR" smtClean="0"/>
-              <a:t>31.05.2022</a:t>
+              <a:t>1.06.2022</a:t>
             </a:fld>
             <a:endParaRPr lang="tr-TR"/>
           </a:p>
@@ -15553,9 +15553,12 @@
               <a:rPr lang="tr-TR" sz="2400" dirty="0">
                 <a:hlinkClick r:id="rId2"/>
               </a:rPr>
-              <a:t>https://www.linkedin.com/in/furkan-s%C3%B6nmez-8a124013a/</a:t>
-            </a:r>
-            <a:endParaRPr lang="tr-TR" sz="2400" dirty="0"/>
+              <a:t>https://www.linkedin.com/in/furkansonmez10/</a:t>
+            </a:r>
+            <a:r>
+              <a:rPr lang="tr-TR" sz="2400" dirty="0"/>
+              <a:t> </a:t>
+            </a:r>
           </a:p>
           <a:p>
             <a:r>
@@ -15570,9 +15573,12 @@
               <a:rPr lang="tr-TR" sz="2400" dirty="0">
                 <a:hlinkClick r:id="rId3"/>
               </a:rPr>
-              <a:t>https://www.youtube.com/channel/UChncpiSEBNy_Mt6NJ0kkXIw</a:t>
-            </a:r>
-            <a:endParaRPr lang="tr-TR" sz="2400" dirty="0"/>
+              <a:t>https://www.youtube.com/c/FurkanSonmez10</a:t>
+            </a:r>
+            <a:r>
+              <a:rPr lang="tr-TR" sz="2400" dirty="0"/>
+              <a:t> </a:t>
+            </a:r>
           </a:p>
           <a:p>
             <a:r>
